--- a/sesija-32/PPT/Front-End Developer-32.pptx
+++ b/sesija-32/PPT/Front-End Developer-32.pptx
@@ -6,13 +6,14 @@
     <p:sldMasterId id="2147483676" r:id="rId2"/>
   </p:sldMasterIdLst>
   <p:notesMasterIdLst>
-    <p:notesMasterId r:id="rId7"/>
+    <p:notesMasterId r:id="rId8"/>
   </p:notesMasterIdLst>
   <p:sldIdLst>
     <p:sldId id="256" r:id="rId3"/>
     <p:sldId id="257" r:id="rId4"/>
     <p:sldId id="258" r:id="rId5"/>
     <p:sldId id="263" r:id="rId6"/>
+    <p:sldId id="264" r:id="rId7"/>
   </p:sldIdLst>
   <p:sldSz cx="12192000" cy="6858000"/>
   <p:notesSz cx="6858000" cy="9144000"/>
@@ -120,6 +121,7 @@
             <p14:sldId id="257"/>
             <p14:sldId id="258"/>
             <p14:sldId id="263"/>
+            <p14:sldId id="264"/>
           </p14:sldIdLst>
         </p14:section>
       </p14:sectionLst>
@@ -2447,7 +2449,7 @@
           <a:p>
             <a:fld id="{D32AC403-8EB1-4D4E-8C3A-24BD19820531}" type="datetimeFigureOut">
               <a:rPr lang="en-US" smtClean="0"/>
-              <a:t>13-Mar-18</a:t>
+              <a:t>27-Apr-18</a:t>
             </a:fld>
             <a:endParaRPr lang="en-US"/>
           </a:p>
@@ -3193,7 +3195,7 @@
           <a:p>
             <a:fld id="{B35B300D-7DF5-4E96-8AA6-60E94C6E9F44}" type="datetimeFigureOut">
               <a:rPr lang="sr-Latn-RS" smtClean="0"/>
-              <a:t>13.3.2018.</a:t>
+              <a:t>27.4.2018.</a:t>
             </a:fld>
             <a:endParaRPr lang="sr-Latn-RS"/>
           </a:p>
@@ -3627,7 +3629,7 @@
           <a:p>
             <a:fld id="{B35B300D-7DF5-4E96-8AA6-60E94C6E9F44}" type="datetimeFigureOut">
               <a:rPr lang="sr-Latn-RS" smtClean="0"/>
-              <a:t>13.3.2018.</a:t>
+              <a:t>27.4.2018.</a:t>
             </a:fld>
             <a:endParaRPr lang="sr-Latn-RS"/>
           </a:p>
@@ -4001,7 +4003,7 @@
           <a:p>
             <a:fld id="{B35B300D-7DF5-4E96-8AA6-60E94C6E9F44}" type="datetimeFigureOut">
               <a:rPr lang="sr-Latn-RS" smtClean="0"/>
-              <a:t>13.3.2018.</a:t>
+              <a:t>27.4.2018.</a:t>
             </a:fld>
             <a:endParaRPr lang="sr-Latn-RS"/>
           </a:p>
@@ -4285,7 +4287,7 @@
           <a:p>
             <a:fld id="{B35B300D-7DF5-4E96-8AA6-60E94C6E9F44}" type="datetimeFigureOut">
               <a:rPr lang="sr-Latn-RS" smtClean="0"/>
-              <a:t>13.3.2018.</a:t>
+              <a:t>27.4.2018.</a:t>
             </a:fld>
             <a:endParaRPr lang="sr-Latn-RS"/>
           </a:p>
@@ -4462,7 +4464,7 @@
           <a:p>
             <a:fld id="{B35B300D-7DF5-4E96-8AA6-60E94C6E9F44}" type="datetimeFigureOut">
               <a:rPr lang="sr-Latn-RS" smtClean="0"/>
-              <a:t>13.3.2018.</a:t>
+              <a:t>27.4.2018.</a:t>
             </a:fld>
             <a:endParaRPr lang="sr-Latn-RS"/>
           </a:p>
@@ -4649,7 +4651,7 @@
           <a:p>
             <a:fld id="{B35B300D-7DF5-4E96-8AA6-60E94C6E9F44}" type="datetimeFigureOut">
               <a:rPr lang="sr-Latn-RS" smtClean="0"/>
-              <a:t>13.3.2018.</a:t>
+              <a:t>27.4.2018.</a:t>
             </a:fld>
             <a:endParaRPr lang="sr-Latn-RS"/>
           </a:p>
@@ -4896,7 +4898,7 @@
           <a:p>
             <a:fld id="{B35B300D-7DF5-4E96-8AA6-60E94C6E9F44}" type="datetimeFigureOut">
               <a:rPr lang="sr-Latn-RS" smtClean="0"/>
-              <a:t>13.3.2018.</a:t>
+              <a:t>27.4.2018.</a:t>
             </a:fld>
             <a:endParaRPr lang="sr-Latn-RS"/>
           </a:p>
@@ -5180,7 +5182,7 @@
           <a:p>
             <a:fld id="{B35B300D-7DF5-4E96-8AA6-60E94C6E9F44}" type="datetimeFigureOut">
               <a:rPr lang="sr-Latn-RS" smtClean="0"/>
-              <a:t>13.3.2018.</a:t>
+              <a:t>27.4.2018.</a:t>
             </a:fld>
             <a:endParaRPr lang="sr-Latn-RS"/>
           </a:p>
@@ -7099,7 +7101,7 @@
           <a:p>
             <a:fld id="{B35B300D-7DF5-4E96-8AA6-60E94C6E9F44}" type="datetimeFigureOut">
               <a:rPr lang="sr-Latn-RS" smtClean="0"/>
-              <a:t>13.3.2018.</a:t>
+              <a:t>27.4.2018.</a:t>
             </a:fld>
             <a:endParaRPr lang="sr-Latn-RS"/>
           </a:p>
@@ -7533,15 +7535,7 @@
             </a:br>
             <a:r>
               <a:rPr lang="en-US" b="1" smtClean="0"/>
-              <a:t>32 </a:t>
-            </a:r>
-            <a:r>
-              <a:rPr lang="en-US" b="1" smtClean="0"/>
-              <a:t>– </a:t>
-            </a:r>
-            <a:r>
-              <a:rPr lang="en-US" b="1" smtClean="0"/>
-              <a:t>27.04.2018</a:t>
+              <a:t>32 – 27.04.2018</a:t>
             </a:r>
             <a:endParaRPr lang="en-US"/>
           </a:p>
@@ -7565,6 +7559,12 @@
             <a:r>
               <a:rPr lang="en-US" smtClean="0"/>
               <a:t>Radovan Ostojić</a:t>
+            </a:r>
+          </a:p>
+          <a:p>
+            <a:r>
+              <a:rPr lang="en-US" smtClean="0"/>
+              <a:t>Petak 27.04.2018</a:t>
             </a:r>
             <a:endParaRPr lang="en-US"/>
           </a:p>
@@ -7890,15 +7890,10 @@
             <a:spLocks noGrp="1"/>
           </p:cNvSpPr>
           <p:nvPr>
-            <p:ph type="body" sz="quarter" idx="4294967295"/>
+            <p:ph type="body" sz="quarter" idx="11"/>
           </p:nvPr>
         </p:nvSpPr>
-        <p:spPr>
-          <a:xfrm>
-            <a:off x="7368309" y="3196013"/>
-            <a:ext cx="4699000" cy="1930400"/>
-          </a:xfrm>
-        </p:spPr>
+        <p:spPr/>
         <p:txBody>
           <a:bodyPr/>
           <a:lstStyle/>
@@ -7906,7 +7901,7 @@
             <a:pPr lvl="0"/>
             <a:r>
               <a:rPr lang="en-US" sz="4000" smtClean="0"/>
-              <a:t>text</a:t>
+              <a:t>Design</a:t>
             </a:r>
             <a:endParaRPr lang="en-US" sz="4000"/>
           </a:p>
@@ -7929,6 +7924,85 @@
       </p:par>
     </p:tnLst>
   </p:timing>
+</p:sld>
+</file>
+
+<file path=ppt/slides/slide5.xml><?xml version="1.0" encoding="utf-8"?>
+<p:sld xmlns:a="http://schemas.openxmlformats.org/drawingml/2006/main" xmlns:r="http://schemas.openxmlformats.org/officeDocument/2006/relationships" xmlns:p="http://schemas.openxmlformats.org/presentationml/2006/main">
+  <p:cSld>
+    <p:spTree>
+      <p:nvGrpSpPr>
+        <p:cNvPr id="1" name=""/>
+        <p:cNvGrpSpPr/>
+        <p:nvPr/>
+      </p:nvGrpSpPr>
+      <p:grpSpPr>
+        <a:xfrm>
+          <a:off x="0" y="0"/>
+          <a:ext cx="0" cy="0"/>
+          <a:chOff x="0" y="0"/>
+          <a:chExt cx="0" cy="0"/>
+        </a:xfrm>
+      </p:grpSpPr>
+      <p:sp>
+        <p:nvSpPr>
+          <p:cNvPr id="4" name="Title 3"/>
+          <p:cNvSpPr>
+            <a:spLocks noGrp="1"/>
+          </p:cNvSpPr>
+          <p:nvPr>
+            <p:ph type="title"/>
+          </p:nvPr>
+        </p:nvSpPr>
+        <p:spPr/>
+        <p:txBody>
+          <a:bodyPr/>
+          <a:lstStyle/>
+          <a:p>
+            <a:r>
+              <a:rPr lang="en-US" smtClean="0"/>
+              <a:t>Dokle smo stigli</a:t>
+            </a:r>
+            <a:endParaRPr lang="sr-Latn-RS"/>
+          </a:p>
+        </p:txBody>
+      </p:sp>
+      <p:pic>
+        <p:nvPicPr>
+          <p:cNvPr id="6" name="Content Placeholder 5"/>
+          <p:cNvPicPr>
+            <a:picLocks noGrp="1" noChangeAspect="1"/>
+          </p:cNvPicPr>
+          <p:nvPr>
+            <p:ph sz="quarter" idx="10"/>
+          </p:nvPr>
+        </p:nvPicPr>
+        <p:blipFill>
+          <a:blip r:embed="rId2"/>
+          <a:stretch>
+            <a:fillRect/>
+          </a:stretch>
+        </p:blipFill>
+        <p:spPr>
+          <a:xfrm>
+            <a:off x="609480" y="1252558"/>
+            <a:ext cx="9358768" cy="5155191"/>
+          </a:xfrm>
+          <a:prstGeom prst="rect">
+            <a:avLst/>
+          </a:prstGeom>
+        </p:spPr>
+      </p:pic>
+    </p:spTree>
+    <p:extLst>
+      <p:ext uri="{BB962C8B-B14F-4D97-AF65-F5344CB8AC3E}">
+        <p14:creationId xmlns:p14="http://schemas.microsoft.com/office/powerpoint/2010/main" val="2152628874"/>
+      </p:ext>
+    </p:extLst>
+  </p:cSld>
+  <p:clrMapOvr>
+    <a:masterClrMapping/>
+  </p:clrMapOvr>
 </p:sld>
 </file>
 
